--- a/PHY477/PHY477 #2 polymers(1).pptx
+++ b/PHY477/PHY477 #2 polymers(1).pptx
@@ -6997,7 +6997,7 @@
           <a:graphicData uri="http://schemas.openxmlformats.org/presentationml/2006/ole">
             <mc:AlternateContent xmlns:mc="http://schemas.openxmlformats.org/markup-compatibility/2006">
               <mc:Choice xmlns:v="urn:schemas-microsoft-com:vml" Requires="v">
-                <p:oleObj spid="_x0000_s33848" name="Equation" r:id="rId4" imgW="635000" imgH="165100" progId="Equation.3">
+                <p:oleObj spid="_x0000_s33850" name="Equation" r:id="rId4" imgW="635000" imgH="165100" progId="Equation.3">
                   <p:embed/>
                 </p:oleObj>
               </mc:Choice>
@@ -13240,19 +13240,7 @@
               <a:rPr lang="en-US" dirty="0">
                 <a:sym typeface="Wingdings"/>
               </a:rPr>
-              <a:t>Coil  </a:t>
-            </a:r>
-            <a:r>
-              <a:rPr lang="en-US">
-                <a:sym typeface="Wingdings"/>
-              </a:rPr>
-              <a:t>globule (exponent </a:t>
-            </a:r>
-            <a:r>
-              <a:rPr lang="en-US" dirty="0">
-                <a:sym typeface="Wingdings"/>
-              </a:rPr>
-              <a:t>½  </a:t>
+              <a:t>Coil  globule (exponent ½  </a:t>
             </a:r>
             <a:r>
               <a:rPr lang="en-US" baseline="30000" dirty="0">
@@ -13735,7 +13723,7 @@
         <p:spPr>
           <a:xfrm>
             <a:off x="304800" y="1066800"/>
-            <a:ext cx="6248400" cy="1200328"/>
+            <a:ext cx="6248400" cy="1200329"/>
           </a:xfrm>
           <a:prstGeom prst="rect">
             <a:avLst/>
@@ -13761,12 +13749,28 @@
               <a:t> </a:t>
             </a:r>
             <a:r>
-              <a:rPr lang="en-US" i="0" dirty="0" err="1"/>
+              <a:rPr lang="en-US" i="0" dirty="0" smtClean="0"/>
               <a:t>crosslinked</a:t>
             </a:r>
             <a:r>
+              <a:rPr lang="zh-CN" altLang="en-US" i="0" dirty="0" smtClean="0"/>
+              <a:t>（</a:t>
+            </a:r>
+            <a:r>
+              <a:rPr lang="zh-CN" altLang="en-US" i="0" dirty="0"/>
+              <a:t>交联</a:t>
+            </a:r>
+            <a:r>
+              <a:rPr lang="zh-CN" altLang="en-US" i="0" dirty="0" smtClean="0"/>
+              <a:t>）</a:t>
+            </a:r>
+            <a:r>
+              <a:rPr lang="en-US" i="0" dirty="0" smtClean="0"/>
+              <a:t> </a:t>
+            </a:r>
+            <a:r>
               <a:rPr lang="en-US" i="0" dirty="0"/>
-              <a:t> polymer</a:t>
+              <a:t>polymer</a:t>
             </a:r>
           </a:p>
           <a:p>
@@ -14855,7 +14859,7 @@
           <a:graphicData uri="http://schemas.openxmlformats.org/presentationml/2006/ole">
             <mc:AlternateContent xmlns:mc="http://schemas.openxmlformats.org/markup-compatibility/2006">
               <mc:Choice xmlns:v="urn:schemas-microsoft-com:vml" Requires="v">
-                <p:oleObj spid="_x0000_s153744" name="Equation" r:id="rId3" imgW="698500" imgH="381000" progId="">
+                <p:oleObj spid="_x0000_s153750" name="Equation" r:id="rId3" imgW="698500" imgH="381000" progId="">
                   <p:embed/>
                 </p:oleObj>
               </mc:Choice>
@@ -14944,7 +14948,7 @@
           <a:graphicData uri="http://schemas.openxmlformats.org/presentationml/2006/ole">
             <mc:AlternateContent xmlns:mc="http://schemas.openxmlformats.org/markup-compatibility/2006">
               <mc:Choice xmlns:v="urn:schemas-microsoft-com:vml" Requires="v">
-                <p:oleObj spid="_x0000_s153745" name="Equation" r:id="rId5" imgW="825500" imgH="393700" progId="">
+                <p:oleObj spid="_x0000_s153751" name="Equation" r:id="rId5" imgW="825500" imgH="393700" progId="">
                   <p:embed/>
                 </p:oleObj>
               </mc:Choice>
@@ -15033,7 +15037,7 @@
           <a:graphicData uri="http://schemas.openxmlformats.org/presentationml/2006/ole">
             <mc:AlternateContent xmlns:mc="http://schemas.openxmlformats.org/markup-compatibility/2006">
               <mc:Choice xmlns:v="urn:schemas-microsoft-com:vml" Requires="v">
-                <p:oleObj spid="_x0000_s153746" name="Equation" r:id="rId7" imgW="2298700" imgH="330200" progId="">
+                <p:oleObj spid="_x0000_s153752" name="Equation" r:id="rId7" imgW="2298700" imgH="330200" progId="">
                   <p:embed/>
                 </p:oleObj>
               </mc:Choice>
@@ -15494,7 +15498,7 @@
           <a:graphicData uri="http://schemas.openxmlformats.org/presentationml/2006/ole">
             <mc:AlternateContent xmlns:mc="http://schemas.openxmlformats.org/markup-compatibility/2006">
               <mc:Choice xmlns:v="urn:schemas-microsoft-com:vml" Requires="v">
-                <p:oleObj spid="_x0000_s154769" name="Equation" r:id="rId3" imgW="1333500" imgH="304800" progId="Equation.3">
+                <p:oleObj spid="_x0000_s154775" name="Equation" r:id="rId3" imgW="1333500" imgH="304800" progId="Equation.3">
                   <p:embed/>
                 </p:oleObj>
               </mc:Choice>
@@ -15564,7 +15568,7 @@
           <a:graphicData uri="http://schemas.openxmlformats.org/presentationml/2006/ole">
             <mc:AlternateContent xmlns:mc="http://schemas.openxmlformats.org/markup-compatibility/2006">
               <mc:Choice xmlns:v="urn:schemas-microsoft-com:vml" Requires="v">
-                <p:oleObj spid="_x0000_s154770" name="Equation" r:id="rId5" imgW="76200" imgH="127000" progId="Equation.3">
+                <p:oleObj spid="_x0000_s154776" name="Equation" r:id="rId5" imgW="76200" imgH="127000" progId="Equation.3">
                   <p:embed/>
                 </p:oleObj>
               </mc:Choice>
@@ -15640,7 +15644,7 @@
           <a:graphicData uri="http://schemas.openxmlformats.org/presentationml/2006/ole">
             <mc:AlternateContent xmlns:mc="http://schemas.openxmlformats.org/markup-compatibility/2006">
               <mc:Choice xmlns:v="urn:schemas-microsoft-com:vml" Requires="v">
-                <p:oleObj spid="_x0000_s154771" name="Equation" r:id="rId7" imgW="431800" imgH="292100" progId="Equation.3">
+                <p:oleObj spid="_x0000_s154777" name="Equation" r:id="rId7" imgW="431800" imgH="292100" progId="Equation.3">
                   <p:embed/>
                 </p:oleObj>
               </mc:Choice>
@@ -16770,7 +16774,7 @@
           <p:cNvPr id="2" name="TextBox 1">
             <a:extLst>
               <a:ext uri="{FF2B5EF4-FFF2-40B4-BE49-F238E27FC236}">
-                <a16:creationId xmlns:a16="http://schemas.microsoft.com/office/drawing/2014/main" id="{76A79076-A2B6-E942-8DB5-73E5FBE2A1B7}"/>
+                <a16:creationId xmlns:a16="http://schemas.microsoft.com/office/drawing/2014/main" xmlns="" id="{76A79076-A2B6-E942-8DB5-73E5FBE2A1B7}"/>
               </a:ext>
             </a:extLst>
           </p:cNvPr>
@@ -18037,7 +18041,7 @@
           <a:graphicData uri="http://schemas.openxmlformats.org/presentationml/2006/ole">
             <mc:AlternateContent xmlns:mc="http://schemas.openxmlformats.org/markup-compatibility/2006">
               <mc:Choice xmlns:v="urn:schemas-microsoft-com:vml" Requires="v">
-                <p:oleObj spid="_x0000_s129080" name="Equation" r:id="rId3" imgW="1498600" imgH="241300" progId="">
+                <p:oleObj spid="_x0000_s129082" name="Equation" r:id="rId3" imgW="1498600" imgH="241300" progId="">
                   <p:embed/>
                 </p:oleObj>
               </mc:Choice>
@@ -18627,7 +18631,7 @@
           <a:graphicData uri="http://schemas.openxmlformats.org/presentationml/2006/ole">
             <mc:AlternateContent xmlns:mc="http://schemas.openxmlformats.org/markup-compatibility/2006">
               <mc:Choice xmlns:v="urn:schemas-microsoft-com:vml" Requires="v">
-                <p:oleObj spid="_x0000_s60491" name="Equation" r:id="rId4" imgW="952500" imgH="304800" progId="Equation.3">
+                <p:oleObj spid="_x0000_s60493" name="Equation" r:id="rId4" imgW="952500" imgH="304800" progId="Equation.3">
                   <p:embed/>
                 </p:oleObj>
               </mc:Choice>
@@ -19002,6 +19006,13 @@
   <p:clrMapOvr>
     <a:masterClrMapping/>
   </p:clrMapOvr>
+  <p:timing>
+    <p:tnLst>
+      <p:par>
+        <p:cTn id="1" dur="indefinite" restart="never" nodeType="tmRoot"/>
+      </p:par>
+    </p:tnLst>
+  </p:timing>
 </p:sld>
 </file>
 
@@ -19195,6 +19206,13 @@
   <p:clrMapOvr>
     <a:masterClrMapping/>
   </p:clrMapOvr>
+  <p:timing>
+    <p:tnLst>
+      <p:par>
+        <p:cTn id="1" dur="indefinite" restart="never" nodeType="tmRoot"/>
+      </p:par>
+    </p:tnLst>
+  </p:timing>
 </p:sld>
 </file>
 
@@ -19710,6 +19728,13 @@
   <p:clrMapOvr>
     <a:masterClrMapping/>
   </p:clrMapOvr>
+  <p:timing>
+    <p:tnLst>
+      <p:par>
+        <p:cTn id="1" dur="indefinite" restart="never" nodeType="tmRoot"/>
+      </p:par>
+    </p:tnLst>
+  </p:timing>
 </p:sld>
 </file>
 
@@ -20497,6 +20522,13 @@
   <p:clrMapOvr>
     <a:masterClrMapping/>
   </p:clrMapOvr>
+  <p:timing>
+    <p:tnLst>
+      <p:par>
+        <p:cTn id="1" dur="indefinite" restart="never" nodeType="tmRoot"/>
+      </p:par>
+    </p:tnLst>
+  </p:timing>
 </p:sld>
 </file>
 
@@ -22028,6 +22060,13 @@
   <p:clrMapOvr>
     <a:masterClrMapping/>
   </p:clrMapOvr>
+  <p:timing>
+    <p:tnLst>
+      <p:par>
+        <p:cTn id="1" dur="indefinite" restart="never" nodeType="tmRoot"/>
+      </p:par>
+    </p:tnLst>
+  </p:timing>
 </p:sld>
 </file>
 
@@ -22409,7 +22448,7 @@
           <a:graphicData uri="http://schemas.openxmlformats.org/presentationml/2006/ole">
             <mc:AlternateContent xmlns:mc="http://schemas.openxmlformats.org/markup-compatibility/2006">
               <mc:Choice xmlns:v="urn:schemas-microsoft-com:vml" Requires="v">
-                <p:oleObj spid="_x0000_s107576" name="Equation" r:id="rId5" imgW="482600" imgH="292100" progId="Equation.3">
+                <p:oleObj spid="_x0000_s107578" name="Equation" r:id="rId5" imgW="482600" imgH="292100" progId="Equation.3">
                   <p:embed/>
                 </p:oleObj>
               </mc:Choice>
@@ -22501,6 +22540,13 @@
   <p:clrMapOvr>
     <a:masterClrMapping/>
   </p:clrMapOvr>
+  <p:timing>
+    <p:tnLst>
+      <p:par>
+        <p:cTn id="1" dur="indefinite" restart="never" nodeType="tmRoot"/>
+      </p:par>
+    </p:tnLst>
+  </p:timing>
 </p:sld>
 </file>
 
@@ -22837,6 +22883,13 @@
   <p:clrMapOvr>
     <a:masterClrMapping/>
   </p:clrMapOvr>
+  <p:timing>
+    <p:tnLst>
+      <p:par>
+        <p:cTn id="1" dur="indefinite" restart="never" nodeType="tmRoot"/>
+      </p:par>
+    </p:tnLst>
+  </p:timing>
 </p:sld>
 </file>
 
@@ -23287,6 +23340,13 @@
   <p:clrMapOvr>
     <a:masterClrMapping/>
   </p:clrMapOvr>
+  <p:timing>
+    <p:tnLst>
+      <p:par>
+        <p:cTn id="1" dur="indefinite" restart="never" nodeType="tmRoot"/>
+      </p:par>
+    </p:tnLst>
+  </p:timing>
 </p:sld>
 </file>
 
@@ -27544,6 +27604,13 @@
   <p:clrMapOvr>
     <a:masterClrMapping/>
   </p:clrMapOvr>
+  <p:timing>
+    <p:tnLst>
+      <p:par>
+        <p:cTn id="1" dur="indefinite" restart="never" nodeType="tmRoot"/>
+      </p:par>
+    </p:tnLst>
+  </p:timing>
 </p:sld>
 </file>
 
@@ -27691,6 +27758,13 @@
   <p:clrMapOvr>
     <a:masterClrMapping/>
   </p:clrMapOvr>
+  <p:timing>
+    <p:tnLst>
+      <p:par>
+        <p:cTn id="1" dur="indefinite" restart="never" nodeType="tmRoot"/>
+      </p:par>
+    </p:tnLst>
+  </p:timing>
 </p:sld>
 </file>
 
@@ -28213,7 +28287,7 @@
           <a:graphicData uri="http://schemas.openxmlformats.org/presentationml/2006/ole">
             <mc:AlternateContent xmlns:mc="http://schemas.openxmlformats.org/markup-compatibility/2006">
               <mc:Choice xmlns:v="urn:schemas-microsoft-com:vml" Requires="v">
-                <p:oleObj spid="_x0000_s42084" name="Equation" r:id="rId4" imgW="127000" imgH="139700" progId="Equation.3">
+                <p:oleObj spid="_x0000_s42088" name="Equation" r:id="rId4" imgW="127000" imgH="139700" progId="Equation.3">
                   <p:embed/>
                 </p:oleObj>
               </mc:Choice>
@@ -28413,7 +28487,7 @@
           <a:graphicData uri="http://schemas.openxmlformats.org/presentationml/2006/ole">
             <mc:AlternateContent xmlns:mc="http://schemas.openxmlformats.org/markup-compatibility/2006">
               <mc:Choice xmlns:v="urn:schemas-microsoft-com:vml" Requires="v">
-                <p:oleObj spid="_x0000_s42085" name="Equation" r:id="rId6" imgW="444500" imgH="342900" progId="Equation.3">
+                <p:oleObj spid="_x0000_s42089" name="Equation" r:id="rId6" imgW="444500" imgH="342900" progId="Equation.3">
                   <p:embed/>
                 </p:oleObj>
               </mc:Choice>
@@ -28789,7 +28863,7 @@
           <a:graphicData uri="http://schemas.openxmlformats.org/presentationml/2006/ole">
             <mc:AlternateContent xmlns:mc="http://schemas.openxmlformats.org/markup-compatibility/2006">
               <mc:Choice xmlns:v="urn:schemas-microsoft-com:vml" Requires="v">
-                <p:oleObj spid="_x0000_s25728" name="Equation" r:id="rId4" imgW="2222500" imgH="520700" progId="">
+                <p:oleObj spid="_x0000_s25732" name="Equation" r:id="rId4" imgW="2222500" imgH="520700" progId="">
                   <p:embed/>
                 </p:oleObj>
               </mc:Choice>
@@ -28872,7 +28946,7 @@
           <a:graphicData uri="http://schemas.openxmlformats.org/presentationml/2006/ole">
             <mc:AlternateContent xmlns:mc="http://schemas.openxmlformats.org/markup-compatibility/2006">
               <mc:Choice xmlns:v="urn:schemas-microsoft-com:vml" Requires="v">
-                <p:oleObj spid="_x0000_s25729" name="Equation" r:id="rId6" imgW="3048000" imgH="609600" progId="">
+                <p:oleObj spid="_x0000_s25733" name="Equation" r:id="rId6" imgW="3048000" imgH="609600" progId="">
                   <p:embed/>
                 </p:oleObj>
               </mc:Choice>
@@ -29523,7 +29597,7 @@
           <a:graphicData uri="http://schemas.openxmlformats.org/presentationml/2006/ole">
             <mc:AlternateContent xmlns:mc="http://schemas.openxmlformats.org/markup-compatibility/2006">
               <mc:Choice xmlns:v="urn:schemas-microsoft-com:vml" Requires="v">
-                <p:oleObj spid="_x0000_s27774" name="Equation" r:id="rId4" imgW="1981200" imgH="533400" progId="">
+                <p:oleObj spid="_x0000_s27778" name="Equation" r:id="rId4" imgW="1981200" imgH="533400" progId="">
                   <p:embed/>
                 </p:oleObj>
               </mc:Choice>
@@ -29606,7 +29680,7 @@
           <a:graphicData uri="http://schemas.openxmlformats.org/presentationml/2006/ole">
             <mc:AlternateContent xmlns:mc="http://schemas.openxmlformats.org/markup-compatibility/2006">
               <mc:Choice xmlns:v="urn:schemas-microsoft-com:vml" Requires="v">
-                <p:oleObj spid="_x0000_s27775" name="Equation" r:id="rId6" imgW="1422400" imgH="457200" progId="">
+                <p:oleObj spid="_x0000_s27779" name="Equation" r:id="rId6" imgW="1422400" imgH="457200" progId="">
                   <p:embed/>
                 </p:oleObj>
               </mc:Choice>
@@ -30573,7 +30647,7 @@
           <a:graphicData uri="http://schemas.openxmlformats.org/presentationml/2006/ole">
             <mc:AlternateContent xmlns:mc="http://schemas.openxmlformats.org/markup-compatibility/2006">
               <mc:Choice xmlns:v="urn:schemas-microsoft-com:vml" Requires="v">
-                <p:oleObj spid="_x0000_s31802" name="Equation" r:id="rId4" imgW="635000" imgH="165100" progId="Equation.3">
+                <p:oleObj spid="_x0000_s31804" name="Equation" r:id="rId4" imgW="635000" imgH="165100" progId="Equation.3">
                   <p:embed/>
                 </p:oleObj>
               </mc:Choice>
